--- a/Documents/3B - Mid Potint Presentation.pptx
+++ b/Documents/3B - Mid Potint Presentation.pptx
@@ -227,7 +227,7 @@
           <a:p>
             <a:fld id="{59088EAF-6ECA-4616-85EF-35AA19C641F3}" type="datetimeFigureOut">
               <a:rPr lang="en-US"/>
-              <a:t>12/10/2019</a:t>
+              <a:t>12/19/2019</a:t>
             </a:fld>
             <a:endParaRPr/>
           </a:p>
@@ -392,7 +392,7 @@
           <a:p>
             <a:fld id="{3ABD2D7A-D230-4F91-BD59-0A39C2703BA8}" type="datetimeFigureOut">
               <a:rPr lang="en-US"/>
-              <a:t>12/10/2019</a:t>
+              <a:t>12/19/2019</a:t>
             </a:fld>
             <a:endParaRPr/>
           </a:p>
@@ -654,6 +654,90 @@
 </p:notesMaster>
 </file>
 
+<file path=ppt/notesSlides/notesSlide1.xml><?xml version="1.0" encoding="utf-8"?>
+<p:notes xmlns:a="http://schemas.openxmlformats.org/drawingml/2006/main" xmlns:r="http://schemas.openxmlformats.org/officeDocument/2006/relationships" xmlns:p="http://schemas.openxmlformats.org/presentationml/2006/main">
+  <p:cSld>
+    <p:spTree>
+      <p:nvGrpSpPr>
+        <p:cNvPr id="1" name=""/>
+        <p:cNvGrpSpPr/>
+        <p:nvPr/>
+      </p:nvGrpSpPr>
+      <p:grpSpPr>
+        <a:xfrm>
+          <a:off x="0" y="0"/>
+          <a:ext cx="0" cy="0"/>
+          <a:chOff x="0" y="0"/>
+          <a:chExt cx="0" cy="0"/>
+        </a:xfrm>
+      </p:grpSpPr>
+      <p:sp>
+        <p:nvSpPr>
+          <p:cNvPr id="2" name="Slide Image Placeholder 1"/>
+          <p:cNvSpPr>
+            <a:spLocks noGrp="1" noRot="1" noChangeAspect="1"/>
+          </p:cNvSpPr>
+          <p:nvPr>
+            <p:ph type="sldImg"/>
+          </p:nvPr>
+        </p:nvSpPr>
+        <p:spPr/>
+      </p:sp>
+      <p:sp>
+        <p:nvSpPr>
+          <p:cNvPr id="3" name="Notes Placeholder 2"/>
+          <p:cNvSpPr>
+            <a:spLocks noGrp="1"/>
+          </p:cNvSpPr>
+          <p:nvPr>
+            <p:ph type="body" idx="1"/>
+          </p:nvPr>
+        </p:nvSpPr>
+        <p:spPr/>
+        <p:txBody>
+          <a:bodyPr/>
+          <a:lstStyle/>
+          <a:p>
+            <a:endParaRPr lang="en-IE" dirty="0"/>
+          </a:p>
+        </p:txBody>
+      </p:sp>
+      <p:sp>
+        <p:nvSpPr>
+          <p:cNvPr id="4" name="Slide Number Placeholder 3"/>
+          <p:cNvSpPr>
+            <a:spLocks noGrp="1"/>
+          </p:cNvSpPr>
+          <p:nvPr>
+            <p:ph type="sldNum" sz="quarter" idx="5"/>
+          </p:nvPr>
+        </p:nvSpPr>
+        <p:spPr/>
+        <p:txBody>
+          <a:bodyPr/>
+          <a:lstStyle/>
+          <a:p>
+            <a:fld id="{F93199CD-3E1B-4AE6-990F-76F925F5EA9F}" type="slidenum">
+              <a:rPr lang="en-IE" smtClean="0"/>
+              <a:t>2</a:t>
+            </a:fld>
+            <a:endParaRPr lang="en-IE"/>
+          </a:p>
+        </p:txBody>
+      </p:sp>
+    </p:spTree>
+    <p:extLst>
+      <p:ext uri="{BB962C8B-B14F-4D97-AF65-F5344CB8AC3E}">
+        <p14:creationId xmlns:p14="http://schemas.microsoft.com/office/powerpoint/2010/main" val="2233612407"/>
+      </p:ext>
+    </p:extLst>
+  </p:cSld>
+  <p:clrMapOvr>
+    <a:masterClrMapping/>
+  </p:clrMapOvr>
+</p:notes>
+</file>
+
 <file path=ppt/slideLayouts/slideLayout1.xml><?xml version="1.0" encoding="utf-8"?>
 <p:sldLayout xmlns:a="http://schemas.openxmlformats.org/drawingml/2006/main" xmlns:r="http://schemas.openxmlformats.org/officeDocument/2006/relationships" xmlns:p="http://schemas.openxmlformats.org/presentationml/2006/main" type="title" preserve="1">
   <p:cSld name="Title Slide">
@@ -1001,7 +1085,7 @@
           <a:p>
             <a:fld id="{03F41C87-7AD9-4845-A077-840E4A0F3F06}" type="datetimeFigureOut">
               <a:rPr lang="en-US"/>
-              <a:t>12/10/2019</a:t>
+              <a:t>12/19/2019</a:t>
             </a:fld>
             <a:endParaRPr/>
           </a:p>
@@ -1193,7 +1277,7 @@
           <a:p>
             <a:fld id="{03F41C87-7AD9-4845-A077-840E4A0F3F06}" type="datetimeFigureOut">
               <a:rPr lang="en-US"/>
-              <a:t>12/10/2019</a:t>
+              <a:t>12/19/2019</a:t>
             </a:fld>
             <a:endParaRPr/>
           </a:p>
@@ -1382,7 +1466,7 @@
           <a:p>
             <a:fld id="{03F41C87-7AD9-4845-A077-840E4A0F3F06}" type="datetimeFigureOut">
               <a:rPr lang="en-US"/>
-              <a:t>12/10/2019</a:t>
+              <a:t>12/19/2019</a:t>
             </a:fld>
             <a:endParaRPr/>
           </a:p>
@@ -1662,7 +1746,7 @@
           <a:p>
             <a:fld id="{03F41C87-7AD9-4845-A077-840E4A0F3F06}" type="datetimeFigureOut">
               <a:rPr lang="en-US"/>
-              <a:t>12/10/2019</a:t>
+              <a:t>12/19/2019</a:t>
             </a:fld>
             <a:endParaRPr/>
           </a:p>
@@ -1966,7 +2050,7 @@
           <a:p>
             <a:fld id="{03F41C87-7AD9-4845-A077-840E4A0F3F06}" type="datetimeFigureOut">
               <a:rPr lang="en-US"/>
-              <a:t>12/10/2019</a:t>
+              <a:t>12/19/2019</a:t>
             </a:fld>
             <a:endParaRPr/>
           </a:p>
@@ -2422,7 +2506,7 @@
           <a:p>
             <a:fld id="{03F41C87-7AD9-4845-A077-840E4A0F3F06}" type="datetimeFigureOut">
               <a:rPr lang="en-US"/>
-              <a:t>12/10/2019</a:t>
+              <a:t>12/19/2019</a:t>
             </a:fld>
             <a:endParaRPr/>
           </a:p>
@@ -2552,7 +2636,7 @@
           <a:p>
             <a:fld id="{03F41C87-7AD9-4845-A077-840E4A0F3F06}" type="datetimeFigureOut">
               <a:rPr lang="en-US"/>
-              <a:t>12/10/2019</a:t>
+              <a:t>12/19/2019</a:t>
             </a:fld>
             <a:endParaRPr/>
           </a:p>
@@ -2667,7 +2751,7 @@
           <a:p>
             <a:fld id="{03F41C87-7AD9-4845-A077-840E4A0F3F06}" type="datetimeFigureOut">
               <a:rPr lang="en-US"/>
-              <a:t>12/10/2019</a:t>
+              <a:t>12/19/2019</a:t>
             </a:fld>
             <a:endParaRPr/>
           </a:p>
@@ -2989,7 +3073,7 @@
           <a:p>
             <a:fld id="{03F41C87-7AD9-4845-A077-840E4A0F3F06}" type="datetimeFigureOut">
               <a:rPr lang="en-US"/>
-              <a:t>12/10/2019</a:t>
+              <a:t>12/19/2019</a:t>
             </a:fld>
             <a:endParaRPr/>
           </a:p>
@@ -3301,7 +3385,7 @@
             <a:fld id="{03F41C87-7AD9-4845-A077-840E4A0F3F06}" type="datetimeFigureOut">
               <a:rPr lang="en-US"/>
               <a:pPr/>
-              <a:t>12/10/2019</a:t>
+              <a:t>12/19/2019</a:t>
             </a:fld>
             <a:endParaRPr/>
           </a:p>
@@ -3555,7 +3639,7 @@
             <a:fld id="{03F41C87-7AD9-4845-A077-840E4A0F3F06}" type="datetimeFigureOut">
               <a:rPr lang="en-US" smtClean="0"/>
               <a:pPr/>
-              <a:t>12/10/2019</a:t>
+              <a:t>12/19/2019</a:t>
             </a:fld>
             <a:endParaRPr lang="en-US"/>
           </a:p>
@@ -4447,8 +4531,12 @@
               <a:t>A</a:t>
             </a:r>
             <a:r>
+              <a:rPr lang="en-IE" dirty="0" err="1"/>
+              <a:t>dvantages</a:t>
+            </a:r>
+            <a:r>
               <a:rPr lang="en-IE" dirty="0"/>
-              <a:t>advantages of using 3B</a:t>
+              <a:t> of using 3B</a:t>
             </a:r>
           </a:p>
           <a:p>
